--- a/Solution Overview for Business Audiences/Interactive Voice Response Bot - Infographic.pptx
+++ b/Solution Overview for Business Audiences/Interactive Voice Response Bot - Infographic.pptx
@@ -128,6 +128,10 @@
 </p:cmAuthorLst>
 </file>
 
+<file path=ppt/revisionInfo.xml><?xml version="1.0" encoding="utf-8"?>
+<p1510:revInfo xmlns:a="http://schemas.openxmlformats.org/drawingml/2006/main" xmlns:r="http://schemas.openxmlformats.org/officeDocument/2006/relationships" xmlns:p1510="http://schemas.microsoft.com/office/powerpoint/2015/10/main"/>
+</file>
+
 <file path=ppt/changesInfos/changesInfo1.xml><?xml version="1.0" encoding="utf-8"?>
 <pc:chgInfo xmlns:a="http://schemas.openxmlformats.org/drawingml/2006/main" xmlns:r="http://schemas.openxmlformats.org/officeDocument/2006/relationships" xmlns:ac="http://schemas.microsoft.com/office/drawing/2013/main/command" xmlns:pc="http://schemas.microsoft.com/office/powerpoint/2013/main/command">
   <pc:docChgLst>
@@ -144,11 +148,11 @@
           <pc:sldMk cId="2851415019" sldId="336"/>
         </pc:sldMkLst>
         <pc:spChg chg="mod">
-          <ac:chgData name="Eric Lunnin (Kforce)" userId="39584a29-d273-41cd-a0f9-2fd8cc174408" providerId="ADAL" clId="{95037078-8380-46A0-AD1E-B15621871AC3}" dt="2017-05-25T18:10:06.296" v="7" actId="1076"/>
+          <ac:chgData name="Eric Lunnin (Kforce)" userId="39584a29-d273-41cd-a0f9-2fd8cc174408" providerId="ADAL" clId="{95037078-8380-46A0-AD1E-B15621871AC3}" dt="2017-05-25T17:23:37.863" v="3" actId="1076"/>
           <ac:spMkLst>
             <pc:docMk/>
             <pc:sldMk cId="2851415019" sldId="336"/>
-            <ac:spMk id="789" creationId="{919378D4-3079-43C9-BFB2-0C13743D6823}"/>
+            <ac:spMk id="8" creationId="{6B078170-84A2-46B5-99FD-5C57225CBEFD}"/>
           </ac:spMkLst>
         </pc:spChg>
         <pc:spChg chg="mod">
@@ -168,45 +172,13 @@
           </ac:spMkLst>
         </pc:spChg>
         <pc:spChg chg="mod">
-          <ac:chgData name="Eric Lunnin (Kforce)" userId="39584a29-d273-41cd-a0f9-2fd8cc174408" providerId="ADAL" clId="{95037078-8380-46A0-AD1E-B15621871AC3}" dt="2017-05-25T17:23:37.863" v="3" actId="1076"/>
+          <ac:chgData name="Eric Lunnin (Kforce)" userId="39584a29-d273-41cd-a0f9-2fd8cc174408" providerId="ADAL" clId="{95037078-8380-46A0-AD1E-B15621871AC3}" dt="2017-05-25T18:10:06.296" v="7" actId="1076"/>
           <ac:spMkLst>
             <pc:docMk/>
             <pc:sldMk cId="2851415019" sldId="336"/>
-            <ac:spMk id="8" creationId="{6B078170-84A2-46B5-99FD-5C57225CBEFD}"/>
+            <ac:spMk id="789" creationId="{919378D4-3079-43C9-BFB2-0C13743D6823}"/>
           </ac:spMkLst>
         </pc:spChg>
-        <pc:grpChg chg="mod topLvl">
-          <ac:chgData name="Eric Lunnin (Kforce)" userId="39584a29-d273-41cd-a0f9-2fd8cc174408" providerId="ADAL" clId="{95037078-8380-46A0-AD1E-B15621871AC3}" dt="2017-05-25T18:14:58.834" v="9" actId="0"/>
-          <ac:grpSpMkLst>
-            <pc:docMk/>
-            <pc:sldMk cId="2851415019" sldId="336"/>
-            <ac:grpSpMk id="791" creationId="{E93C67BB-5477-4438-95F6-3D62AB40AA0A}"/>
-          </ac:grpSpMkLst>
-        </pc:grpChg>
-        <pc:grpChg chg="mod topLvl">
-          <ac:chgData name="Eric Lunnin (Kforce)" userId="39584a29-d273-41cd-a0f9-2fd8cc174408" providerId="ADAL" clId="{95037078-8380-46A0-AD1E-B15621871AC3}" dt="2017-05-25T18:14:58.834" v="9" actId="0"/>
-          <ac:grpSpMkLst>
-            <pc:docMk/>
-            <pc:sldMk cId="2851415019" sldId="336"/>
-            <ac:grpSpMk id="797" creationId="{0415FBD3-2B67-4498-9C45-5C49360C3B0F}"/>
-          </ac:grpSpMkLst>
-        </pc:grpChg>
-        <pc:grpChg chg="mod topLvl">
-          <ac:chgData name="Eric Lunnin (Kforce)" userId="39584a29-d273-41cd-a0f9-2fd8cc174408" providerId="ADAL" clId="{95037078-8380-46A0-AD1E-B15621871AC3}" dt="2017-05-25T18:14:58.834" v="9" actId="0"/>
-          <ac:grpSpMkLst>
-            <pc:docMk/>
-            <pc:sldMk cId="2851415019" sldId="336"/>
-            <ac:grpSpMk id="799" creationId="{B28B1EAD-33DC-4282-8509-19E39779B691}"/>
-          </ac:grpSpMkLst>
-        </pc:grpChg>
-        <pc:grpChg chg="mod topLvl">
-          <ac:chgData name="Eric Lunnin (Kforce)" userId="39584a29-d273-41cd-a0f9-2fd8cc174408" providerId="ADAL" clId="{95037078-8380-46A0-AD1E-B15621871AC3}" dt="2017-05-25T18:14:58.834" v="9" actId="0"/>
-          <ac:grpSpMkLst>
-            <pc:docMk/>
-            <pc:sldMk cId="2851415019" sldId="336"/>
-            <ac:grpSpMk id="798" creationId="{C92AB46F-AF93-4BDA-AECC-05F24AFFB0BF}"/>
-          </ac:grpSpMkLst>
-        </pc:grpChg>
         <pc:grpChg chg="mod">
           <ac:chgData name="Eric Lunnin (Kforce)" userId="39584a29-d273-41cd-a0f9-2fd8cc174408" providerId="ADAL" clId="{95037078-8380-46A0-AD1E-B15621871AC3}" dt="2017-05-25T17:23:42.230" v="5" actId="1076"/>
           <ac:grpSpMkLst>
@@ -216,7 +188,7 @@
           </ac:grpSpMkLst>
         </pc:grpChg>
         <pc:grpChg chg="add del mod">
-          <ac:chgData name="Eric Lunnin (Kforce)" userId="39584a29-d273-41cd-a0f9-2fd8cc174408" providerId="ADAL" clId="{95037078-8380-46A0-AD1E-B15621871AC3}" dt="2017-05-25T18:14:58.834" v="9" actId="0"/>
+          <ac:chgData name="Eric Lunnin (Kforce)" userId="39584a29-d273-41cd-a0f9-2fd8cc174408" providerId="ADAL" clId="{95037078-8380-46A0-AD1E-B15621871AC3}" dt="2017-05-25T18:14:58.834" v="9"/>
           <ac:grpSpMkLst>
             <pc:docMk/>
             <pc:sldMk cId="2851415019" sldId="336"/>
@@ -224,15 +196,47 @@
           </ac:grpSpMkLst>
         </pc:grpChg>
         <pc:grpChg chg="mod topLvl">
-          <ac:chgData name="Eric Lunnin (Kforce)" userId="39584a29-d273-41cd-a0f9-2fd8cc174408" providerId="ADAL" clId="{95037078-8380-46A0-AD1E-B15621871AC3}" dt="2017-05-25T18:14:58.834" v="9" actId="0"/>
+          <ac:chgData name="Eric Lunnin (Kforce)" userId="39584a29-d273-41cd-a0f9-2fd8cc174408" providerId="ADAL" clId="{95037078-8380-46A0-AD1E-B15621871AC3}" dt="2017-05-25T18:14:58.834" v="9"/>
+          <ac:grpSpMkLst>
+            <pc:docMk/>
+            <pc:sldMk cId="2851415019" sldId="336"/>
+            <ac:grpSpMk id="791" creationId="{E93C67BB-5477-4438-95F6-3D62AB40AA0A}"/>
+          </ac:grpSpMkLst>
+        </pc:grpChg>
+        <pc:grpChg chg="mod topLvl">
+          <ac:chgData name="Eric Lunnin (Kforce)" userId="39584a29-d273-41cd-a0f9-2fd8cc174408" providerId="ADAL" clId="{95037078-8380-46A0-AD1E-B15621871AC3}" dt="2017-05-25T18:14:58.834" v="9"/>
           <ac:grpSpMkLst>
             <pc:docMk/>
             <pc:sldMk cId="2851415019" sldId="336"/>
             <ac:grpSpMk id="796" creationId="{5B040648-E781-43DF-8C66-91D073E28AB8}"/>
           </ac:grpSpMkLst>
         </pc:grpChg>
+        <pc:grpChg chg="mod topLvl">
+          <ac:chgData name="Eric Lunnin (Kforce)" userId="39584a29-d273-41cd-a0f9-2fd8cc174408" providerId="ADAL" clId="{95037078-8380-46A0-AD1E-B15621871AC3}" dt="2017-05-25T18:14:58.834" v="9"/>
+          <ac:grpSpMkLst>
+            <pc:docMk/>
+            <pc:sldMk cId="2851415019" sldId="336"/>
+            <ac:grpSpMk id="797" creationId="{0415FBD3-2B67-4498-9C45-5C49360C3B0F}"/>
+          </ac:grpSpMkLst>
+        </pc:grpChg>
+        <pc:grpChg chg="mod topLvl">
+          <ac:chgData name="Eric Lunnin (Kforce)" userId="39584a29-d273-41cd-a0f9-2fd8cc174408" providerId="ADAL" clId="{95037078-8380-46A0-AD1E-B15621871AC3}" dt="2017-05-25T18:14:58.834" v="9"/>
+          <ac:grpSpMkLst>
+            <pc:docMk/>
+            <pc:sldMk cId="2851415019" sldId="336"/>
+            <ac:grpSpMk id="798" creationId="{C92AB46F-AF93-4BDA-AECC-05F24AFFB0BF}"/>
+          </ac:grpSpMkLst>
+        </pc:grpChg>
+        <pc:grpChg chg="mod topLvl">
+          <ac:chgData name="Eric Lunnin (Kforce)" userId="39584a29-d273-41cd-a0f9-2fd8cc174408" providerId="ADAL" clId="{95037078-8380-46A0-AD1E-B15621871AC3}" dt="2017-05-25T18:14:58.834" v="9"/>
+          <ac:grpSpMkLst>
+            <pc:docMk/>
+            <pc:sldMk cId="2851415019" sldId="336"/>
+            <ac:grpSpMk id="799" creationId="{B28B1EAD-33DC-4282-8509-19E39779B691}"/>
+          </ac:grpSpMkLst>
+        </pc:grpChg>
         <pc:picChg chg="mod topLvl">
-          <ac:chgData name="Eric Lunnin (Kforce)" userId="39584a29-d273-41cd-a0f9-2fd8cc174408" providerId="ADAL" clId="{95037078-8380-46A0-AD1E-B15621871AC3}" dt="2017-05-25T18:14:58.834" v="9" actId="0"/>
+          <ac:chgData name="Eric Lunnin (Kforce)" userId="39584a29-d273-41cd-a0f9-2fd8cc174408" providerId="ADAL" clId="{95037078-8380-46A0-AD1E-B15621871AC3}" dt="2017-05-25T18:14:58.834" v="9"/>
           <ac:picMkLst>
             <pc:docMk/>
             <pc:sldMk cId="2851415019" sldId="336"/>
@@ -335,7 +339,7 @@
           <a:p>
             <a:fld id="{857C132B-6275-4D5B-8A35-C0DD396F783B}" type="datetimeFigureOut">
               <a:rPr lang="en-US" smtClean="0"/>
-              <a:t>5/25/2017</a:t>
+              <a:t>7/25/2017</a:t>
             </a:fld>
             <a:endParaRPr lang="en-US" dirty="0"/>
           </a:p>
@@ -25920,7 +25924,7 @@
                   <a:latin typeface="Segoe UI Semilight" panose="020B0402040204020203" pitchFamily="34" charset="0"/>
                   <a:cs typeface="Segoe UI Semilight" panose="020B0402040204020203" pitchFamily="34" charset="0"/>
                 </a:rPr>
-                <a:t>CALL CENTER AUTOMATION</a:t>
+                <a:t>Interactive Voice Response Bot</a:t>
               </a:r>
             </a:p>
           </p:txBody>
@@ -26045,7 +26049,7 @@
                 <a:ea typeface="Calibri" panose="020F0502020204030204" pitchFamily="34" charset="0"/>
                 <a:cs typeface="Segoe UI Semilight" panose="020B0402040204020203" pitchFamily="34" charset="0"/>
               </a:rPr>
-              <a:t>Call centers are essential to businesses of any size. Customers want to be able to reach businesses easily and have their issues resolved as quickly as possible. It is undeniable that customer satisfaction directly relates to sales. Call Center Automation answers this need. Businesses with no call center solution can easily implement the Call Center Automation (CCA) to improve customer relations and companies with a manned call center, or older automated solution, can utilize CCA to better customer satisfaction while optimizing costs and productivity.</a:t>
+              <a:t>Call centers are essential to businesses of any size. Customers want to be able to reach businesses easily and have their issues resolved as quickly as possible. It is undeniable that customer satisfaction directly relates to sales. Interactive Voice Response (IVR) Bot answers this need. Businesses with no call center solution can easily implement the IVR Bot to improve customer relations and companies with a manned call center, or older automated solution, can utilize IVR Bot to improve customer satisfaction while optimizing costs and productivity.</a:t>
             </a:r>
           </a:p>
           <a:p>
@@ -26065,7 +26069,7 @@
                 <a:latin typeface="Segoe UI Semilight" panose="020B0402040204020203" pitchFamily="34" charset="0"/>
                 <a:cs typeface="Segoe UI Semilight" panose="020B0402040204020203" pitchFamily="34" charset="0"/>
               </a:rPr>
-              <a:t>Call Center Automation provides an intelligent, natural and easy self-service experience that can be repurposed across other customer service channels. </a:t>
+              <a:t>IVR Bot provides an intelligent, natural and easy self-service experience that can be repurposed across other customer service channels. </a:t>
             </a:r>
           </a:p>
         </p:txBody>
